--- a/proj1/Projekat1.pptx
+++ b/proj1/Projekat1.pptx
@@ -14,6 +14,8 @@
     <p:sldId id="262" r:id="rId8"/>
     <p:sldId id="263" r:id="rId9"/>
     <p:sldId id="264" r:id="rId10"/>
+    <p:sldId id="265" r:id="rId11"/>
+    <p:sldId id="266" r:id="rId12"/>
   </p:sldIdLst>
   <p:sldSz cx="12192000" cy="6858000"/>
   <p:notesSz cx="6858000" cy="9144000"/>
@@ -112,6 +114,11 @@
       </a:defRPr>
     </a:lvl9pPr>
   </p:defaultTextStyle>
+  <p:extLst>
+    <p:ext uri="{EFAFB233-063F-42B5-8137-9DF3F51BA10A}">
+      <p15:sldGuideLst xmlns:p15="http://schemas.microsoft.com/office/powerpoint/2012/main"/>
+    </p:ext>
+  </p:extLst>
 </p:presentation>
 </file>
 
@@ -3391,6 +3398,194 @@
     <p:extLst>
       <p:ext uri="{BB962C8B-B14F-4D97-AF65-F5344CB8AC3E}">
         <p14:creationId xmlns:p14="http://schemas.microsoft.com/office/powerpoint/2010/main" val="1295401946"/>
+      </p:ext>
+    </p:extLst>
+  </p:cSld>
+  <p:clrMapOvr>
+    <a:masterClrMapping/>
+  </p:clrMapOvr>
+</p:sld>
+</file>
+
+<file path=ppt/slides/slide10.xml><?xml version="1.0" encoding="utf-8"?>
+<p:sld xmlns:a="http://schemas.openxmlformats.org/drawingml/2006/main" xmlns:r="http://schemas.openxmlformats.org/officeDocument/2006/relationships" xmlns:p="http://schemas.openxmlformats.org/presentationml/2006/main">
+  <p:cSld>
+    <p:spTree>
+      <p:nvGrpSpPr>
+        <p:cNvPr id="1" name=""/>
+        <p:cNvGrpSpPr/>
+        <p:nvPr/>
+      </p:nvGrpSpPr>
+      <p:grpSpPr>
+        <a:xfrm>
+          <a:off x="0" y="0"/>
+          <a:ext cx="0" cy="0"/>
+          <a:chOff x="0" y="0"/>
+          <a:chExt cx="0" cy="0"/>
+        </a:xfrm>
+      </p:grpSpPr>
+      <p:sp>
+        <p:nvSpPr>
+          <p:cNvPr id="2" name="Title 1">
+            <a:extLst>
+              <a:ext uri="{FF2B5EF4-FFF2-40B4-BE49-F238E27FC236}">
+                <a16:creationId xmlns:a16="http://schemas.microsoft.com/office/drawing/2014/main" id="{BA360F00-E7C8-B4AF-A2EA-80489B2B8A32}"/>
+              </a:ext>
+            </a:extLst>
+          </p:cNvPr>
+          <p:cNvSpPr>
+            <a:spLocks noGrp="1"/>
+          </p:cNvSpPr>
+          <p:nvPr>
+            <p:ph type="title"/>
+          </p:nvPr>
+        </p:nvSpPr>
+        <p:spPr/>
+        <p:txBody>
+          <a:bodyPr/>
+          <a:lstStyle/>
+          <a:p>
+            <a:r>
+              <a:rPr lang="sr-Latn-RS" dirty="0"/>
+              <a:t>Filter Node</a:t>
+            </a:r>
+            <a:endParaRPr lang="en-US" dirty="0"/>
+          </a:p>
+        </p:txBody>
+      </p:sp>
+      <p:pic>
+        <p:nvPicPr>
+          <p:cNvPr id="5" name="Content Placeholder 4">
+            <a:extLst>
+              <a:ext uri="{FF2B5EF4-FFF2-40B4-BE49-F238E27FC236}">
+                <a16:creationId xmlns:a16="http://schemas.microsoft.com/office/drawing/2014/main" id="{1640DCDF-CC22-176F-1A3C-EC133AC02FC0}"/>
+              </a:ext>
+            </a:extLst>
+          </p:cNvPr>
+          <p:cNvPicPr>
+            <a:picLocks noGrp="1" noChangeAspect="1"/>
+          </p:cNvPicPr>
+          <p:nvPr>
+            <p:ph idx="1"/>
+          </p:nvPr>
+        </p:nvPicPr>
+        <p:blipFill>
+          <a:blip r:embed="rId2">
+            <a:extLst>
+              <a:ext uri="{28A0092B-C50C-407E-A947-70E740481C1C}">
+                <a14:useLocalDpi xmlns:a14="http://schemas.microsoft.com/office/drawing/2010/main" val="0"/>
+              </a:ext>
+            </a:extLst>
+          </a:blip>
+          <a:stretch>
+            <a:fillRect/>
+          </a:stretch>
+        </p:blipFill>
+        <p:spPr>
+          <a:xfrm>
+            <a:off x="3597958" y="1485977"/>
+            <a:ext cx="4996083" cy="4727932"/>
+          </a:xfrm>
+        </p:spPr>
+      </p:pic>
+    </p:spTree>
+    <p:extLst>
+      <p:ext uri="{BB962C8B-B14F-4D97-AF65-F5344CB8AC3E}">
+        <p14:creationId xmlns:p14="http://schemas.microsoft.com/office/powerpoint/2010/main" val="3857679230"/>
+      </p:ext>
+    </p:extLst>
+  </p:cSld>
+  <p:clrMapOvr>
+    <a:masterClrMapping/>
+  </p:clrMapOvr>
+</p:sld>
+</file>
+
+<file path=ppt/slides/slide11.xml><?xml version="1.0" encoding="utf-8"?>
+<p:sld xmlns:a="http://schemas.openxmlformats.org/drawingml/2006/main" xmlns:r="http://schemas.openxmlformats.org/officeDocument/2006/relationships" xmlns:p="http://schemas.openxmlformats.org/presentationml/2006/main">
+  <p:cSld>
+    <p:spTree>
+      <p:nvGrpSpPr>
+        <p:cNvPr id="1" name=""/>
+        <p:cNvGrpSpPr/>
+        <p:nvPr/>
+      </p:nvGrpSpPr>
+      <p:grpSpPr>
+        <a:xfrm>
+          <a:off x="0" y="0"/>
+          <a:ext cx="0" cy="0"/>
+          <a:chOff x="0" y="0"/>
+          <a:chExt cx="0" cy="0"/>
+        </a:xfrm>
+      </p:grpSpPr>
+      <p:sp>
+        <p:nvSpPr>
+          <p:cNvPr id="2" name="Title 1">
+            <a:extLst>
+              <a:ext uri="{FF2B5EF4-FFF2-40B4-BE49-F238E27FC236}">
+                <a16:creationId xmlns:a16="http://schemas.microsoft.com/office/drawing/2014/main" id="{2A4B7F9B-1039-34FB-16EC-6336D76C3208}"/>
+              </a:ext>
+            </a:extLst>
+          </p:cNvPr>
+          <p:cNvSpPr>
+            <a:spLocks noGrp="1"/>
+          </p:cNvSpPr>
+          <p:nvPr>
+            <p:ph type="title"/>
+          </p:nvPr>
+        </p:nvSpPr>
+        <p:spPr/>
+        <p:txBody>
+          <a:bodyPr/>
+          <a:lstStyle/>
+          <a:p>
+            <a:r>
+              <a:rPr lang="sr-Latn-RS" dirty="0"/>
+              <a:t>Rule chain</a:t>
+            </a:r>
+            <a:endParaRPr lang="en-US" dirty="0"/>
+          </a:p>
+        </p:txBody>
+      </p:sp>
+      <p:pic>
+        <p:nvPicPr>
+          <p:cNvPr id="5" name="Content Placeholder 4">
+            <a:extLst>
+              <a:ext uri="{FF2B5EF4-FFF2-40B4-BE49-F238E27FC236}">
+                <a16:creationId xmlns:a16="http://schemas.microsoft.com/office/drawing/2014/main" id="{DF2913B8-7068-E5D6-D184-A089D8F85416}"/>
+              </a:ext>
+            </a:extLst>
+          </p:cNvPr>
+          <p:cNvPicPr>
+            <a:picLocks noGrp="1" noChangeAspect="1"/>
+          </p:cNvPicPr>
+          <p:nvPr>
+            <p:ph idx="1"/>
+          </p:nvPr>
+        </p:nvPicPr>
+        <p:blipFill>
+          <a:blip r:embed="rId2">
+            <a:extLst>
+              <a:ext uri="{28A0092B-C50C-407E-A947-70E740481C1C}">
+                <a14:useLocalDpi xmlns:a14="http://schemas.microsoft.com/office/drawing/2010/main" val="0"/>
+              </a:ext>
+            </a:extLst>
+          </a:blip>
+          <a:stretch>
+            <a:fillRect/>
+          </a:stretch>
+        </p:blipFill>
+        <p:spPr>
+          <a:xfrm>
+            <a:off x="1327509" y="1825625"/>
+            <a:ext cx="9536982" cy="4351338"/>
+          </a:xfrm>
+        </p:spPr>
+      </p:pic>
+    </p:spTree>
+    <p:extLst>
+      <p:ext uri="{BB962C8B-B14F-4D97-AF65-F5344CB8AC3E}">
+        <p14:creationId xmlns:p14="http://schemas.microsoft.com/office/powerpoint/2010/main" val="2310024571"/>
       </p:ext>
     </p:extLst>
   </p:cSld>

--- a/proj1/Projekat1.pptx
+++ b/proj1/Projekat1.pptx
@@ -9,13 +9,14 @@
     <p:sldId id="257" r:id="rId3"/>
     <p:sldId id="258" r:id="rId4"/>
     <p:sldId id="259" r:id="rId5"/>
-    <p:sldId id="260" r:id="rId6"/>
-    <p:sldId id="261" r:id="rId7"/>
-    <p:sldId id="262" r:id="rId8"/>
-    <p:sldId id="263" r:id="rId9"/>
-    <p:sldId id="264" r:id="rId10"/>
-    <p:sldId id="265" r:id="rId11"/>
-    <p:sldId id="266" r:id="rId12"/>
+    <p:sldId id="267" r:id="rId6"/>
+    <p:sldId id="260" r:id="rId7"/>
+    <p:sldId id="261" r:id="rId8"/>
+    <p:sldId id="262" r:id="rId9"/>
+    <p:sldId id="263" r:id="rId10"/>
+    <p:sldId id="264" r:id="rId11"/>
+    <p:sldId id="265" r:id="rId12"/>
+    <p:sldId id="266" r:id="rId13"/>
   </p:sldIdLst>
   <p:sldSz cx="12192000" cy="6858000"/>
   <p:notesSz cx="6858000" cy="9144000"/>
@@ -269,7 +270,7 @@
           <a:p>
             <a:fld id="{1E855A24-777A-4066-9BFD-175A359D751B}" type="datetimeFigureOut">
               <a:rPr lang="en-US" smtClean="0"/>
-              <a:t>03-Jun-24</a:t>
+              <a:t>12-Jun-24</a:t>
             </a:fld>
             <a:endParaRPr lang="en-US"/>
           </a:p>
@@ -467,7 +468,7 @@
           <a:p>
             <a:fld id="{1E855A24-777A-4066-9BFD-175A359D751B}" type="datetimeFigureOut">
               <a:rPr lang="en-US" smtClean="0"/>
-              <a:t>03-Jun-24</a:t>
+              <a:t>12-Jun-24</a:t>
             </a:fld>
             <a:endParaRPr lang="en-US"/>
           </a:p>
@@ -675,7 +676,7 @@
           <a:p>
             <a:fld id="{1E855A24-777A-4066-9BFD-175A359D751B}" type="datetimeFigureOut">
               <a:rPr lang="en-US" smtClean="0"/>
-              <a:t>03-Jun-24</a:t>
+              <a:t>12-Jun-24</a:t>
             </a:fld>
             <a:endParaRPr lang="en-US"/>
           </a:p>
@@ -873,7 +874,7 @@
           <a:p>
             <a:fld id="{1E855A24-777A-4066-9BFD-175A359D751B}" type="datetimeFigureOut">
               <a:rPr lang="en-US" smtClean="0"/>
-              <a:t>03-Jun-24</a:t>
+              <a:t>12-Jun-24</a:t>
             </a:fld>
             <a:endParaRPr lang="en-US"/>
           </a:p>
@@ -1148,7 +1149,7 @@
           <a:p>
             <a:fld id="{1E855A24-777A-4066-9BFD-175A359D751B}" type="datetimeFigureOut">
               <a:rPr lang="en-US" smtClean="0"/>
-              <a:t>03-Jun-24</a:t>
+              <a:t>12-Jun-24</a:t>
             </a:fld>
             <a:endParaRPr lang="en-US"/>
           </a:p>
@@ -1413,7 +1414,7 @@
           <a:p>
             <a:fld id="{1E855A24-777A-4066-9BFD-175A359D751B}" type="datetimeFigureOut">
               <a:rPr lang="en-US" smtClean="0"/>
-              <a:t>03-Jun-24</a:t>
+              <a:t>12-Jun-24</a:t>
             </a:fld>
             <a:endParaRPr lang="en-US"/>
           </a:p>
@@ -1825,7 +1826,7 @@
           <a:p>
             <a:fld id="{1E855A24-777A-4066-9BFD-175A359D751B}" type="datetimeFigureOut">
               <a:rPr lang="en-US" smtClean="0"/>
-              <a:t>03-Jun-24</a:t>
+              <a:t>12-Jun-24</a:t>
             </a:fld>
             <a:endParaRPr lang="en-US"/>
           </a:p>
@@ -1966,7 +1967,7 @@
           <a:p>
             <a:fld id="{1E855A24-777A-4066-9BFD-175A359D751B}" type="datetimeFigureOut">
               <a:rPr lang="en-US" smtClean="0"/>
-              <a:t>03-Jun-24</a:t>
+              <a:t>12-Jun-24</a:t>
             </a:fld>
             <a:endParaRPr lang="en-US"/>
           </a:p>
@@ -2079,7 +2080,7 @@
           <a:p>
             <a:fld id="{1E855A24-777A-4066-9BFD-175A359D751B}" type="datetimeFigureOut">
               <a:rPr lang="en-US" smtClean="0"/>
-              <a:t>03-Jun-24</a:t>
+              <a:t>12-Jun-24</a:t>
             </a:fld>
             <a:endParaRPr lang="en-US"/>
           </a:p>
@@ -2390,7 +2391,7 @@
           <a:p>
             <a:fld id="{1E855A24-777A-4066-9BFD-175A359D751B}" type="datetimeFigureOut">
               <a:rPr lang="en-US" smtClean="0"/>
-              <a:t>03-Jun-24</a:t>
+              <a:t>12-Jun-24</a:t>
             </a:fld>
             <a:endParaRPr lang="en-US"/>
           </a:p>
@@ -2678,7 +2679,7 @@
           <a:p>
             <a:fld id="{1E855A24-777A-4066-9BFD-175A359D751B}" type="datetimeFigureOut">
               <a:rPr lang="en-US" smtClean="0"/>
-              <a:t>03-Jun-24</a:t>
+              <a:t>12-Jun-24</a:t>
             </a:fld>
             <a:endParaRPr lang="en-US"/>
           </a:p>
@@ -2919,7 +2920,7 @@
           <a:p>
             <a:fld id="{1E855A24-777A-4066-9BFD-175A359D751B}" type="datetimeFigureOut">
               <a:rPr lang="en-US" smtClean="0"/>
-              <a:t>03-Jun-24</a:t>
+              <a:t>12-Jun-24</a:t>
             </a:fld>
             <a:endParaRPr lang="en-US"/>
           </a:p>
@@ -3429,6 +3430,135 @@
           <p:cNvPr id="2" name="Title 1">
             <a:extLst>
               <a:ext uri="{FF2B5EF4-FFF2-40B4-BE49-F238E27FC236}">
+                <a16:creationId xmlns:a16="http://schemas.microsoft.com/office/drawing/2014/main" id="{E126D252-FABF-7B2B-8C12-2823C0776C27}"/>
+              </a:ext>
+            </a:extLst>
+          </p:cNvPr>
+          <p:cNvSpPr>
+            <a:spLocks noGrp="1"/>
+          </p:cNvSpPr>
+          <p:nvPr>
+            <p:ph type="title"/>
+          </p:nvPr>
+        </p:nvSpPr>
+        <p:spPr/>
+        <p:txBody>
+          <a:bodyPr/>
+          <a:lstStyle/>
+          <a:p>
+            <a:r>
+              <a:rPr lang="en-US" dirty="0"/>
+              <a:t>Alarm</a:t>
+            </a:r>
+          </a:p>
+        </p:txBody>
+      </p:sp>
+      <p:pic>
+        <p:nvPicPr>
+          <p:cNvPr id="5" name="Content Placeholder 4">
+            <a:extLst>
+              <a:ext uri="{FF2B5EF4-FFF2-40B4-BE49-F238E27FC236}">
+                <a16:creationId xmlns:a16="http://schemas.microsoft.com/office/drawing/2014/main" id="{0134BC06-C538-40EF-458F-1EE969FF54B8}"/>
+              </a:ext>
+            </a:extLst>
+          </p:cNvPr>
+          <p:cNvPicPr>
+            <a:picLocks noGrp="1" noChangeAspect="1"/>
+          </p:cNvPicPr>
+          <p:nvPr>
+            <p:ph idx="1"/>
+          </p:nvPr>
+        </p:nvPicPr>
+        <p:blipFill>
+          <a:blip r:embed="rId2">
+            <a:extLst>
+              <a:ext uri="{28A0092B-C50C-407E-A947-70E740481C1C}">
+                <a14:useLocalDpi xmlns:a14="http://schemas.microsoft.com/office/drawing/2010/main" val="0"/>
+              </a:ext>
+            </a:extLst>
+          </a:blip>
+          <a:stretch>
+            <a:fillRect/>
+          </a:stretch>
+        </p:blipFill>
+        <p:spPr>
+          <a:xfrm>
+            <a:off x="406400" y="1642710"/>
+            <a:ext cx="4707468" cy="2832349"/>
+          </a:xfrm>
+        </p:spPr>
+      </p:pic>
+      <p:pic>
+        <p:nvPicPr>
+          <p:cNvPr id="7" name="Picture 6">
+            <a:extLst>
+              <a:ext uri="{FF2B5EF4-FFF2-40B4-BE49-F238E27FC236}">
+                <a16:creationId xmlns:a16="http://schemas.microsoft.com/office/drawing/2014/main" id="{37612B25-4AC9-0142-C2F1-A766DC15A512}"/>
+              </a:ext>
+            </a:extLst>
+          </p:cNvPr>
+          <p:cNvPicPr>
+            <a:picLocks noChangeAspect="1"/>
+          </p:cNvPicPr>
+          <p:nvPr/>
+        </p:nvPicPr>
+        <p:blipFill>
+          <a:blip r:embed="rId3">
+            <a:extLst>
+              <a:ext uri="{28A0092B-C50C-407E-A947-70E740481C1C}">
+                <a14:useLocalDpi xmlns:a14="http://schemas.microsoft.com/office/drawing/2010/main" val="0"/>
+              </a:ext>
+            </a:extLst>
+          </a:blip>
+          <a:stretch>
+            <a:fillRect/>
+          </a:stretch>
+        </p:blipFill>
+        <p:spPr>
+          <a:xfrm>
+            <a:off x="5545668" y="684588"/>
+            <a:ext cx="5928463" cy="5488824"/>
+          </a:xfrm>
+          <a:prstGeom prst="rect">
+            <a:avLst/>
+          </a:prstGeom>
+        </p:spPr>
+      </p:pic>
+    </p:spTree>
+    <p:extLst>
+      <p:ext uri="{BB962C8B-B14F-4D97-AF65-F5344CB8AC3E}">
+        <p14:creationId xmlns:p14="http://schemas.microsoft.com/office/powerpoint/2010/main" val="3856668191"/>
+      </p:ext>
+    </p:extLst>
+  </p:cSld>
+  <p:clrMapOvr>
+    <a:masterClrMapping/>
+  </p:clrMapOvr>
+</p:sld>
+</file>
+
+<file path=ppt/slides/slide11.xml><?xml version="1.0" encoding="utf-8"?>
+<p:sld xmlns:a="http://schemas.openxmlformats.org/drawingml/2006/main" xmlns:r="http://schemas.openxmlformats.org/officeDocument/2006/relationships" xmlns:p="http://schemas.openxmlformats.org/presentationml/2006/main">
+  <p:cSld>
+    <p:spTree>
+      <p:nvGrpSpPr>
+        <p:cNvPr id="1" name=""/>
+        <p:cNvGrpSpPr/>
+        <p:nvPr/>
+      </p:nvGrpSpPr>
+      <p:grpSpPr>
+        <a:xfrm>
+          <a:off x="0" y="0"/>
+          <a:ext cx="0" cy="0"/>
+          <a:chOff x="0" y="0"/>
+          <a:chExt cx="0" cy="0"/>
+        </a:xfrm>
+      </p:grpSpPr>
+      <p:sp>
+        <p:nvSpPr>
+          <p:cNvPr id="2" name="Title 1">
+            <a:extLst>
+              <a:ext uri="{FF2B5EF4-FFF2-40B4-BE49-F238E27FC236}">
                 <a16:creationId xmlns:a16="http://schemas.microsoft.com/office/drawing/2014/main" id="{BA360F00-E7C8-B4AF-A2EA-80489B2B8A32}"/>
               </a:ext>
             </a:extLst>
@@ -3501,7 +3631,7 @@
 </p:sld>
 </file>
 
-<file path=ppt/slides/slide11.xml><?xml version="1.0" encoding="utf-8"?>
+<file path=ppt/slides/slide12.xml><?xml version="1.0" encoding="utf-8"?>
 <p:sld xmlns:a="http://schemas.openxmlformats.org/drawingml/2006/main" xmlns:r="http://schemas.openxmlformats.org/officeDocument/2006/relationships" xmlns:p="http://schemas.openxmlformats.org/presentationml/2006/main">
   <p:cSld>
     <p:spTree>
@@ -4925,6 +5055,559 @@
           <p:cNvPr id="2" name="Title 1">
             <a:extLst>
               <a:ext uri="{FF2B5EF4-FFF2-40B4-BE49-F238E27FC236}">
+                <a16:creationId xmlns:a16="http://schemas.microsoft.com/office/drawing/2014/main" id="{D1F0BF29-DE18-3448-37B7-8AB743390003}"/>
+              </a:ext>
+            </a:extLst>
+          </p:cNvPr>
+          <p:cNvSpPr>
+            <a:spLocks noGrp="1"/>
+          </p:cNvSpPr>
+          <p:nvPr>
+            <p:ph type="title"/>
+          </p:nvPr>
+        </p:nvSpPr>
+        <p:spPr/>
+        <p:txBody>
+          <a:bodyPr/>
+          <a:lstStyle/>
+          <a:p>
+            <a:r>
+              <a:rPr lang="en-US" dirty="0"/>
+              <a:t>Rule engine</a:t>
+            </a:r>
+          </a:p>
+        </p:txBody>
+      </p:sp>
+      <p:sp>
+        <p:nvSpPr>
+          <p:cNvPr id="3" name="Content Placeholder 2">
+            <a:extLst>
+              <a:ext uri="{FF2B5EF4-FFF2-40B4-BE49-F238E27FC236}">
+                <a16:creationId xmlns:a16="http://schemas.microsoft.com/office/drawing/2014/main" id="{882DB9B1-13FA-60F8-E6E9-21F3F2E5BD4E}"/>
+              </a:ext>
+            </a:extLst>
+          </p:cNvPr>
+          <p:cNvSpPr>
+            <a:spLocks noGrp="1"/>
+          </p:cNvSpPr>
+          <p:nvPr>
+            <p:ph idx="1"/>
+          </p:nvPr>
+        </p:nvSpPr>
+        <p:spPr/>
+        <p:txBody>
+          <a:bodyPr>
+            <a:normAutofit/>
+          </a:bodyPr>
+          <a:lstStyle/>
+          <a:p>
+            <a:r>
+              <a:rPr lang="en-US" sz="2000" b="0" i="0" u="none" strike="noStrike" baseline="0" dirty="0" err="1">
+                <a:solidFill>
+                  <a:srgbClr val="233A44"/>
+                </a:solidFill>
+              </a:rPr>
+              <a:t>Procesiranje</a:t>
+            </a:r>
+            <a:r>
+              <a:rPr lang="en-US" sz="2000" b="0" i="0" u="none" strike="noStrike" baseline="0" dirty="0">
+                <a:solidFill>
+                  <a:srgbClr val="233A44"/>
+                </a:solidFill>
+              </a:rPr>
+              <a:t> </a:t>
+            </a:r>
+            <a:r>
+              <a:rPr lang="en-US" sz="2000" b="0" i="0" u="none" strike="noStrike" baseline="0" dirty="0" err="1">
+                <a:solidFill>
+                  <a:srgbClr val="233A44"/>
+                </a:solidFill>
+              </a:rPr>
+              <a:t>primljenih</a:t>
+            </a:r>
+            <a:r>
+              <a:rPr lang="en-US" sz="2000" b="0" i="0" u="none" strike="noStrike" baseline="0" dirty="0">
+                <a:solidFill>
+                  <a:srgbClr val="233A44"/>
+                </a:solidFill>
+              </a:rPr>
+              <a:t> </a:t>
+            </a:r>
+            <a:r>
+              <a:rPr lang="en-US" sz="2000" b="0" i="0" u="none" strike="noStrike" baseline="0" dirty="0" err="1">
+                <a:solidFill>
+                  <a:srgbClr val="233A44"/>
+                </a:solidFill>
+              </a:rPr>
+              <a:t>poruka</a:t>
+            </a:r>
+            <a:r>
+              <a:rPr lang="en-US" sz="2000" b="0" i="0" u="none" strike="noStrike" baseline="0" dirty="0">
+                <a:solidFill>
+                  <a:srgbClr val="233A44"/>
+                </a:solidFill>
+              </a:rPr>
+              <a:t> </a:t>
+            </a:r>
+            <a:r>
+              <a:rPr lang="en-US" sz="2000" b="0" i="0" u="none" strike="noStrike" baseline="0" dirty="0" err="1">
+                <a:solidFill>
+                  <a:srgbClr val="233A44"/>
+                </a:solidFill>
+              </a:rPr>
+              <a:t>korišćenjem</a:t>
+            </a:r>
+            <a:r>
+              <a:rPr lang="en-US" sz="2000" b="0" i="0" u="none" strike="noStrike" baseline="0" dirty="0">
+                <a:solidFill>
+                  <a:srgbClr val="233A44"/>
+                </a:solidFill>
+              </a:rPr>
+              <a:t> </a:t>
+            </a:r>
+            <a:r>
+              <a:rPr lang="en-US" sz="2000" b="0" i="0" u="none" strike="noStrike" baseline="0" dirty="0" err="1">
+                <a:solidFill>
+                  <a:srgbClr val="233A44"/>
+                </a:solidFill>
+              </a:rPr>
+              <a:t>logike</a:t>
+            </a:r>
+            <a:r>
+              <a:rPr lang="en-US" sz="2000" b="0" i="0" u="none" strike="noStrike" baseline="0" dirty="0">
+                <a:solidFill>
+                  <a:srgbClr val="233A44"/>
+                </a:solidFill>
+              </a:rPr>
+              <a:t> </a:t>
+            </a:r>
+            <a:r>
+              <a:rPr lang="en-US" sz="2000" b="0" i="0" u="none" strike="noStrike" baseline="0" dirty="0" err="1">
+                <a:solidFill>
+                  <a:srgbClr val="233A44"/>
+                </a:solidFill>
+              </a:rPr>
+              <a:t>i</a:t>
+            </a:r>
+            <a:r>
+              <a:rPr lang="en-US" sz="2000" b="0" i="0" u="none" strike="noStrike" baseline="0" dirty="0">
+                <a:solidFill>
+                  <a:srgbClr val="233A44"/>
+                </a:solidFill>
+              </a:rPr>
+              <a:t> </a:t>
+            </a:r>
+            <a:r>
+              <a:rPr lang="en-US" sz="2000" b="0" i="0" u="none" strike="noStrike" baseline="0" dirty="0" err="1">
+                <a:solidFill>
+                  <a:srgbClr val="233A44"/>
+                </a:solidFill>
+              </a:rPr>
+              <a:t>pravila</a:t>
+            </a:r>
+            <a:r>
+              <a:rPr lang="en-US" sz="2000" b="0" i="0" u="none" strike="noStrike" baseline="0" dirty="0">
+                <a:solidFill>
+                  <a:srgbClr val="233A44"/>
+                </a:solidFill>
+              </a:rPr>
+              <a:t> </a:t>
+            </a:r>
+            <a:r>
+              <a:rPr lang="en-US" sz="2000" b="0" i="0" u="none" strike="noStrike" baseline="0" dirty="0" err="1">
+                <a:solidFill>
+                  <a:srgbClr val="233A44"/>
+                </a:solidFill>
+              </a:rPr>
+              <a:t>definisanih</a:t>
+            </a:r>
+            <a:r>
+              <a:rPr lang="en-US" sz="2000" b="0" i="0" u="none" strike="noStrike" baseline="0" dirty="0">
+                <a:solidFill>
+                  <a:srgbClr val="233A44"/>
+                </a:solidFill>
+              </a:rPr>
+              <a:t> od </a:t>
+            </a:r>
+            <a:r>
+              <a:rPr lang="en-US" sz="2000" b="0" i="0" u="none" strike="noStrike" baseline="0" dirty="0" err="1">
+                <a:solidFill>
+                  <a:srgbClr val="233A44"/>
+                </a:solidFill>
+              </a:rPr>
+              <a:t>strane</a:t>
+            </a:r>
+            <a:r>
+              <a:rPr lang="en-US" sz="2000" b="0" i="0" u="none" strike="noStrike" baseline="0" dirty="0">
+                <a:solidFill>
+                  <a:srgbClr val="233A44"/>
+                </a:solidFill>
+              </a:rPr>
+              <a:t> </a:t>
+            </a:r>
+            <a:r>
+              <a:rPr lang="en-US" sz="2000" b="0" i="0" u="none" strike="noStrike" baseline="0" dirty="0" err="1">
+                <a:solidFill>
+                  <a:srgbClr val="233A44"/>
+                </a:solidFill>
+              </a:rPr>
+              <a:t>korisnika</a:t>
+            </a:r>
+            <a:endParaRPr lang="en-US" sz="2000" b="0" i="0" u="none" strike="noStrike" baseline="0" dirty="0">
+              <a:solidFill>
+                <a:srgbClr val="233A44"/>
+              </a:solidFill>
+            </a:endParaRPr>
+          </a:p>
+          <a:p>
+            <a:endParaRPr lang="en-US" sz="2000" b="0" i="0" u="none" strike="noStrike" baseline="0" dirty="0">
+              <a:solidFill>
+                <a:srgbClr val="233A44"/>
+              </a:solidFill>
+            </a:endParaRPr>
+          </a:p>
+          <a:p>
+            <a:r>
+              <a:rPr lang="en-US" sz="2000" b="0" i="0" u="none" strike="noStrike" baseline="0" dirty="0" err="1">
+                <a:solidFill>
+                  <a:srgbClr val="233A44"/>
+                </a:solidFill>
+              </a:rPr>
+              <a:t>Komponente</a:t>
+            </a:r>
+            <a:r>
+              <a:rPr lang="en-US" sz="2000" b="0" i="0" u="none" strike="noStrike" baseline="0" dirty="0">
+                <a:solidFill>
+                  <a:srgbClr val="233A44"/>
+                </a:solidFill>
+              </a:rPr>
+              <a:t>:</a:t>
+            </a:r>
+          </a:p>
+          <a:p>
+            <a:pPr lvl="1"/>
+            <a:r>
+              <a:rPr lang="en-US" sz="1600" b="0" i="0" u="none" strike="noStrike" baseline="0" dirty="0" err="1">
+                <a:solidFill>
+                  <a:srgbClr val="233A44"/>
+                </a:solidFill>
+              </a:rPr>
+              <a:t>Poruka</a:t>
+            </a:r>
+            <a:r>
+              <a:rPr lang="en-US" sz="1600" b="0" i="0" u="none" strike="noStrike" baseline="0" dirty="0">
+                <a:solidFill>
+                  <a:srgbClr val="233A44"/>
+                </a:solidFill>
+              </a:rPr>
+              <a:t> - </a:t>
+            </a:r>
+            <a:r>
+              <a:rPr lang="en-US" sz="1600" b="0" i="0" u="none" strike="noStrike" baseline="0" dirty="0" err="1">
+                <a:solidFill>
+                  <a:srgbClr val="233A44"/>
+                </a:solidFill>
+              </a:rPr>
+              <a:t>bilo</a:t>
+            </a:r>
+            <a:r>
+              <a:rPr lang="en-US" sz="1600" b="0" i="0" u="none" strike="noStrike" baseline="0" dirty="0">
+                <a:solidFill>
+                  <a:srgbClr val="233A44"/>
+                </a:solidFill>
+              </a:rPr>
+              <a:t> koji </a:t>
+            </a:r>
+            <a:r>
+              <a:rPr lang="en-US" sz="1600" b="0" i="0" u="none" strike="noStrike" baseline="0" dirty="0" err="1">
+                <a:solidFill>
+                  <a:srgbClr val="233A44"/>
+                </a:solidFill>
+              </a:rPr>
+              <a:t>događaj</a:t>
+            </a:r>
+            <a:r>
+              <a:rPr lang="en-US" sz="1600" b="0" i="0" u="none" strike="noStrike" baseline="0" dirty="0">
+                <a:solidFill>
+                  <a:srgbClr val="233A44"/>
+                </a:solidFill>
+              </a:rPr>
+              <a:t> (</a:t>
+            </a:r>
+            <a:r>
+              <a:rPr lang="en-US" sz="1600" b="0" i="0" u="none" strike="noStrike" baseline="0" dirty="0" err="1">
+                <a:solidFill>
+                  <a:srgbClr val="233A44"/>
+                </a:solidFill>
+              </a:rPr>
+              <a:t>podaci</a:t>
+            </a:r>
+            <a:r>
+              <a:rPr lang="en-US" sz="1600" b="0" i="0" u="none" strike="noStrike" baseline="0" dirty="0">
+                <a:solidFill>
+                  <a:srgbClr val="233A44"/>
+                </a:solidFill>
+              </a:rPr>
+              <a:t> </a:t>
+            </a:r>
+            <a:r>
+              <a:rPr lang="en-US" sz="1600" b="0" i="0" u="none" strike="noStrike" baseline="0" dirty="0" err="1">
+                <a:solidFill>
+                  <a:srgbClr val="233A44"/>
+                </a:solidFill>
+              </a:rPr>
+              <a:t>sa</a:t>
+            </a:r>
+            <a:r>
+              <a:rPr lang="en-US" sz="1600" b="0" i="0" u="none" strike="noStrike" baseline="0" dirty="0">
+                <a:solidFill>
+                  <a:srgbClr val="233A44"/>
+                </a:solidFill>
+              </a:rPr>
+              <a:t> </a:t>
+            </a:r>
+            <a:r>
+              <a:rPr lang="en-US" sz="1600" b="0" i="0" u="none" strike="noStrike" baseline="0" dirty="0" err="1">
+                <a:solidFill>
+                  <a:srgbClr val="233A44"/>
+                </a:solidFill>
+              </a:rPr>
+              <a:t>uređaja</a:t>
+            </a:r>
+            <a:r>
+              <a:rPr lang="en-US" sz="1600" b="0" i="0" u="none" strike="noStrike" baseline="0" dirty="0">
+                <a:solidFill>
+                  <a:srgbClr val="233A44"/>
+                </a:solidFill>
+              </a:rPr>
+              <a:t>, REST API </a:t>
+            </a:r>
+            <a:r>
+              <a:rPr lang="en-US" sz="1600" b="0" i="0" u="none" strike="noStrike" baseline="0" dirty="0" err="1">
+                <a:solidFill>
+                  <a:srgbClr val="233A44"/>
+                </a:solidFill>
+              </a:rPr>
+              <a:t>događaj</a:t>
+            </a:r>
+            <a:r>
+              <a:rPr lang="en-US" sz="1600" b="0" i="0" u="none" strike="noStrike" baseline="0" dirty="0">
+                <a:solidFill>
+                  <a:srgbClr val="233A44"/>
+                </a:solidFill>
+              </a:rPr>
+              <a:t>, RPC </a:t>
+            </a:r>
+            <a:r>
+              <a:rPr lang="en-US" sz="1600" b="0" i="0" u="none" strike="noStrike" baseline="0" dirty="0" err="1">
+                <a:solidFill>
+                  <a:srgbClr val="233A44"/>
+                </a:solidFill>
+              </a:rPr>
+              <a:t>zahtev</a:t>
+            </a:r>
+            <a:r>
+              <a:rPr lang="en-US" sz="1600" b="0" i="0" u="none" strike="noStrike" baseline="0" dirty="0">
+                <a:solidFill>
+                  <a:srgbClr val="233A44"/>
+                </a:solidFill>
+              </a:rPr>
+              <a:t>…)</a:t>
+            </a:r>
+          </a:p>
+          <a:p>
+            <a:pPr lvl="1"/>
+            <a:r>
+              <a:rPr lang="en-US" sz="1600" b="0" i="0" u="none" strike="noStrike" baseline="0" dirty="0">
+                <a:solidFill>
+                  <a:srgbClr val="233A44"/>
+                </a:solidFill>
+              </a:rPr>
+              <a:t>Rule Node - </a:t>
+            </a:r>
+            <a:r>
+              <a:rPr lang="en-US" sz="1600" b="0" i="0" u="none" strike="noStrike" baseline="0" dirty="0" err="1">
+                <a:solidFill>
+                  <a:srgbClr val="233A44"/>
+                </a:solidFill>
+              </a:rPr>
+              <a:t>funkcija</a:t>
+            </a:r>
+            <a:r>
+              <a:rPr lang="en-US" sz="1600" b="0" i="0" u="none" strike="noStrike" baseline="0" dirty="0">
+                <a:solidFill>
+                  <a:srgbClr val="233A44"/>
+                </a:solidFill>
+              </a:rPr>
+              <a:t> </a:t>
+            </a:r>
+            <a:r>
+              <a:rPr lang="en-US" sz="1600" b="0" i="0" u="none" strike="noStrike" baseline="0" dirty="0" err="1">
+                <a:solidFill>
+                  <a:srgbClr val="233A44"/>
+                </a:solidFill>
+              </a:rPr>
+              <a:t>koja</a:t>
+            </a:r>
+            <a:r>
+              <a:rPr lang="en-US" sz="1600" b="0" i="0" u="none" strike="noStrike" baseline="0" dirty="0">
+                <a:solidFill>
+                  <a:srgbClr val="233A44"/>
+                </a:solidFill>
+              </a:rPr>
+              <a:t> se </a:t>
+            </a:r>
+            <a:r>
+              <a:rPr lang="en-US" sz="1600" b="0" i="0" u="none" strike="noStrike" baseline="0" dirty="0" err="1">
+                <a:solidFill>
+                  <a:srgbClr val="233A44"/>
+                </a:solidFill>
+              </a:rPr>
+              <a:t>izvršava</a:t>
+            </a:r>
+            <a:r>
+              <a:rPr lang="en-US" sz="1600" b="0" i="0" u="none" strike="noStrike" baseline="0" dirty="0">
+                <a:solidFill>
+                  <a:srgbClr val="233A44"/>
+                </a:solidFill>
+              </a:rPr>
+              <a:t> </a:t>
+            </a:r>
+            <a:r>
+              <a:rPr lang="en-US" sz="1600" b="0" i="0" u="none" strike="noStrike" baseline="0" dirty="0" err="1">
+                <a:solidFill>
+                  <a:srgbClr val="233A44"/>
+                </a:solidFill>
+              </a:rPr>
+              <a:t>i</a:t>
+            </a:r>
+            <a:r>
+              <a:rPr lang="en-US" sz="1600" b="0" i="0" u="none" strike="noStrike" baseline="0" dirty="0">
+                <a:solidFill>
+                  <a:srgbClr val="233A44"/>
+                </a:solidFill>
+              </a:rPr>
+              <a:t> </a:t>
+            </a:r>
+            <a:r>
+              <a:rPr lang="en-US" sz="1600" b="0" i="0" u="none" strike="noStrike" baseline="0" dirty="0" err="1">
+                <a:solidFill>
+                  <a:srgbClr val="233A44"/>
+                </a:solidFill>
+              </a:rPr>
+              <a:t>obrađuje</a:t>
+            </a:r>
+            <a:r>
+              <a:rPr lang="en-US" sz="1600" b="0" i="0" u="none" strike="noStrike" baseline="0" dirty="0">
+                <a:solidFill>
+                  <a:srgbClr val="233A44"/>
+                </a:solidFill>
+              </a:rPr>
+              <a:t> </a:t>
+            </a:r>
+            <a:r>
+              <a:rPr lang="en-US" sz="1600" b="0" i="0" u="none" strike="noStrike" baseline="0" dirty="0" err="1">
+                <a:solidFill>
+                  <a:srgbClr val="233A44"/>
+                </a:solidFill>
+              </a:rPr>
+              <a:t>poruku</a:t>
+            </a:r>
+            <a:endParaRPr lang="en-US" sz="1600" b="0" i="0" u="none" strike="noStrike" baseline="0" dirty="0">
+              <a:solidFill>
+                <a:srgbClr val="233A44"/>
+              </a:solidFill>
+            </a:endParaRPr>
+          </a:p>
+          <a:p>
+            <a:pPr lvl="1"/>
+            <a:r>
+              <a:rPr lang="en-US" sz="1600" b="0" i="0" u="none" strike="noStrike" baseline="0" dirty="0">
+                <a:solidFill>
+                  <a:srgbClr val="233A44"/>
+                </a:solidFill>
+              </a:rPr>
+              <a:t>Rule Chain - </a:t>
+            </a:r>
+            <a:r>
+              <a:rPr lang="en-US" sz="1600" b="0" i="0" u="none" strike="noStrike" baseline="0" dirty="0" err="1">
+                <a:solidFill>
+                  <a:srgbClr val="233A44"/>
+                </a:solidFill>
+              </a:rPr>
+              <a:t>lanac</a:t>
+            </a:r>
+            <a:r>
+              <a:rPr lang="en-US" sz="1600" b="0" i="0" u="none" strike="noStrike" baseline="0" dirty="0">
+                <a:solidFill>
+                  <a:srgbClr val="233A44"/>
+                </a:solidFill>
+              </a:rPr>
+              <a:t> </a:t>
+            </a:r>
+            <a:r>
+              <a:rPr lang="en-US" sz="1600" b="0" i="0" u="none" strike="noStrike" baseline="0" dirty="0" err="1">
+                <a:solidFill>
+                  <a:srgbClr val="233A44"/>
+                </a:solidFill>
+              </a:rPr>
+              <a:t>povezanih</a:t>
+            </a:r>
+            <a:r>
+              <a:rPr lang="en-US" sz="1600" b="0" i="0" u="none" strike="noStrike" baseline="0" dirty="0">
+                <a:solidFill>
+                  <a:srgbClr val="233A44"/>
+                </a:solidFill>
+              </a:rPr>
+              <a:t> </a:t>
+            </a:r>
+            <a:r>
+              <a:rPr lang="en-US" sz="1600" b="0" i="0" u="none" strike="noStrike" baseline="0" dirty="0" err="1">
+                <a:solidFill>
+                  <a:srgbClr val="233A44"/>
+                </a:solidFill>
+              </a:rPr>
+              <a:t>čvorova</a:t>
+            </a:r>
+            <a:endParaRPr lang="en-US" sz="1600" dirty="0"/>
+          </a:p>
+        </p:txBody>
+      </p:sp>
+    </p:spTree>
+    <p:extLst>
+      <p:ext uri="{BB962C8B-B14F-4D97-AF65-F5344CB8AC3E}">
+        <p14:creationId xmlns:p14="http://schemas.microsoft.com/office/powerpoint/2010/main" val="3146813768"/>
+      </p:ext>
+    </p:extLst>
+  </p:cSld>
+  <p:clrMapOvr>
+    <a:masterClrMapping/>
+  </p:clrMapOvr>
+</p:sld>
+</file>
+
+<file path=ppt/slides/slide6.xml><?xml version="1.0" encoding="utf-8"?>
+<p:sld xmlns:a="http://schemas.openxmlformats.org/drawingml/2006/main" xmlns:r="http://schemas.openxmlformats.org/officeDocument/2006/relationships" xmlns:p="http://schemas.openxmlformats.org/presentationml/2006/main">
+  <p:cSld>
+    <p:spTree>
+      <p:nvGrpSpPr>
+        <p:cNvPr id="1" name=""/>
+        <p:cNvGrpSpPr/>
+        <p:nvPr/>
+      </p:nvGrpSpPr>
+      <p:grpSpPr>
+        <a:xfrm>
+          <a:off x="0" y="0"/>
+          <a:ext cx="0" cy="0"/>
+          <a:chOff x="0" y="0"/>
+          <a:chExt cx="0" cy="0"/>
+        </a:xfrm>
+      </p:grpSpPr>
+      <p:sp>
+        <p:nvSpPr>
+          <p:cNvPr id="2" name="Title 1">
+            <a:extLst>
+              <a:ext uri="{FF2B5EF4-FFF2-40B4-BE49-F238E27FC236}">
                 <a16:creationId xmlns:a16="http://schemas.microsoft.com/office/drawing/2014/main" id="{220AE60C-5B33-4810-D052-6897E2F9E512}"/>
               </a:ext>
             </a:extLst>
@@ -5099,99 +5782,6 @@
 </p:sld>
 </file>
 
-<file path=ppt/slides/slide6.xml><?xml version="1.0" encoding="utf-8"?>
-<p:sld xmlns:a="http://schemas.openxmlformats.org/drawingml/2006/main" xmlns:r="http://schemas.openxmlformats.org/officeDocument/2006/relationships" xmlns:p="http://schemas.openxmlformats.org/presentationml/2006/main">
-  <p:cSld>
-    <p:spTree>
-      <p:nvGrpSpPr>
-        <p:cNvPr id="1" name=""/>
-        <p:cNvGrpSpPr/>
-        <p:nvPr/>
-      </p:nvGrpSpPr>
-      <p:grpSpPr>
-        <a:xfrm>
-          <a:off x="0" y="0"/>
-          <a:ext cx="0" cy="0"/>
-          <a:chOff x="0" y="0"/>
-          <a:chExt cx="0" cy="0"/>
-        </a:xfrm>
-      </p:grpSpPr>
-      <p:sp>
-        <p:nvSpPr>
-          <p:cNvPr id="2" name="Title 1">
-            <a:extLst>
-              <a:ext uri="{FF2B5EF4-FFF2-40B4-BE49-F238E27FC236}">
-                <a16:creationId xmlns:a16="http://schemas.microsoft.com/office/drawing/2014/main" id="{BA62C645-EA43-6474-5AB8-93241AF6DCD3}"/>
-              </a:ext>
-            </a:extLst>
-          </p:cNvPr>
-          <p:cNvSpPr>
-            <a:spLocks noGrp="1"/>
-          </p:cNvSpPr>
-          <p:nvPr>
-            <p:ph type="title"/>
-          </p:nvPr>
-        </p:nvSpPr>
-        <p:spPr/>
-        <p:txBody>
-          <a:bodyPr/>
-          <a:lstStyle/>
-          <a:p>
-            <a:r>
-              <a:rPr lang="en-US" dirty="0"/>
-              <a:t>Dashboard</a:t>
-            </a:r>
-          </a:p>
-        </p:txBody>
-      </p:sp>
-      <p:pic>
-        <p:nvPicPr>
-          <p:cNvPr id="5" name="Content Placeholder 4">
-            <a:extLst>
-              <a:ext uri="{FF2B5EF4-FFF2-40B4-BE49-F238E27FC236}">
-                <a16:creationId xmlns:a16="http://schemas.microsoft.com/office/drawing/2014/main" id="{A080D805-A4A5-BA76-2C45-95AA6086C60F}"/>
-              </a:ext>
-            </a:extLst>
-          </p:cNvPr>
-          <p:cNvPicPr>
-            <a:picLocks noGrp="1" noChangeAspect="1"/>
-          </p:cNvPicPr>
-          <p:nvPr>
-            <p:ph idx="1"/>
-          </p:nvPr>
-        </p:nvPicPr>
-        <p:blipFill>
-          <a:blip r:embed="rId2">
-            <a:extLst>
-              <a:ext uri="{28A0092B-C50C-407E-A947-70E740481C1C}">
-                <a14:useLocalDpi xmlns:a14="http://schemas.microsoft.com/office/drawing/2010/main" val="0"/>
-              </a:ext>
-            </a:extLst>
-          </a:blip>
-          <a:stretch>
-            <a:fillRect/>
-          </a:stretch>
-        </p:blipFill>
-        <p:spPr>
-          <a:xfrm>
-            <a:off x="1402422" y="1825625"/>
-            <a:ext cx="9387156" cy="4351338"/>
-          </a:xfrm>
-        </p:spPr>
-      </p:pic>
-    </p:spTree>
-    <p:extLst>
-      <p:ext uri="{BB962C8B-B14F-4D97-AF65-F5344CB8AC3E}">
-        <p14:creationId xmlns:p14="http://schemas.microsoft.com/office/powerpoint/2010/main" val="2834217369"/>
-      </p:ext>
-    </p:extLst>
-  </p:cSld>
-  <p:clrMapOvr>
-    <a:masterClrMapping/>
-  </p:clrMapOvr>
-</p:sld>
-</file>
-
 <file path=ppt/slides/slide7.xml><?xml version="1.0" encoding="utf-8"?>
 <p:sld xmlns:a="http://schemas.openxmlformats.org/drawingml/2006/main" xmlns:r="http://schemas.openxmlformats.org/officeDocument/2006/relationships" xmlns:p="http://schemas.openxmlformats.org/presentationml/2006/main">
   <p:cSld>
@@ -5214,7 +5804,7 @@
           <p:cNvPr id="2" name="Title 1">
             <a:extLst>
               <a:ext uri="{FF2B5EF4-FFF2-40B4-BE49-F238E27FC236}">
-                <a16:creationId xmlns:a16="http://schemas.microsoft.com/office/drawing/2014/main" id="{299217EE-8919-9004-0213-DD85C29CB08E}"/>
+                <a16:creationId xmlns:a16="http://schemas.microsoft.com/office/drawing/2014/main" id="{BA62C645-EA43-6474-5AB8-93241AF6DCD3}"/>
               </a:ext>
             </a:extLst>
           </p:cNvPr>
@@ -5232,7 +5822,7 @@
           <a:p>
             <a:r>
               <a:rPr lang="en-US" dirty="0"/>
-              <a:t>Devices</a:t>
+              <a:t>Dashboard</a:t>
             </a:r>
           </a:p>
         </p:txBody>
@@ -5242,7 +5832,7 @@
           <p:cNvPr id="5" name="Content Placeholder 4">
             <a:extLst>
               <a:ext uri="{FF2B5EF4-FFF2-40B4-BE49-F238E27FC236}">
-                <a16:creationId xmlns:a16="http://schemas.microsoft.com/office/drawing/2014/main" id="{64C64301-27E5-F50F-2F78-D3B3EF1FD0F4}"/>
+                <a16:creationId xmlns:a16="http://schemas.microsoft.com/office/drawing/2014/main" id="{A080D805-A4A5-BA76-2C45-95AA6086C60F}"/>
               </a:ext>
             </a:extLst>
           </p:cNvPr>
@@ -5267,15 +5857,15 @@
         </p:blipFill>
         <p:spPr>
           <a:xfrm>
-            <a:off x="838200" y="1867132"/>
-            <a:ext cx="10515600" cy="4268324"/>
+            <a:off x="1402422" y="1825625"/>
+            <a:ext cx="9387156" cy="4351338"/>
           </a:xfrm>
         </p:spPr>
       </p:pic>
     </p:spTree>
     <p:extLst>
       <p:ext uri="{BB962C8B-B14F-4D97-AF65-F5344CB8AC3E}">
-        <p14:creationId xmlns:p14="http://schemas.microsoft.com/office/powerpoint/2010/main" val="163088250"/>
+        <p14:creationId xmlns:p14="http://schemas.microsoft.com/office/powerpoint/2010/main" val="2834217369"/>
       </p:ext>
     </p:extLst>
   </p:cSld>
@@ -5307,7 +5897,7 @@
           <p:cNvPr id="2" name="Title 1">
             <a:extLst>
               <a:ext uri="{FF2B5EF4-FFF2-40B4-BE49-F238E27FC236}">
-                <a16:creationId xmlns:a16="http://schemas.microsoft.com/office/drawing/2014/main" id="{6ECA4026-DED5-2CD4-41BD-1BF5347DE8A9}"/>
+                <a16:creationId xmlns:a16="http://schemas.microsoft.com/office/drawing/2014/main" id="{299217EE-8919-9004-0213-DD85C29CB08E}"/>
               </a:ext>
             </a:extLst>
           </p:cNvPr>
@@ -5325,7 +5915,7 @@
           <a:p>
             <a:r>
               <a:rPr lang="en-US" dirty="0"/>
-              <a:t>Dashboards</a:t>
+              <a:t>Devices</a:t>
             </a:r>
           </a:p>
         </p:txBody>
@@ -5335,7 +5925,7 @@
           <p:cNvPr id="5" name="Content Placeholder 4">
             <a:extLst>
               <a:ext uri="{FF2B5EF4-FFF2-40B4-BE49-F238E27FC236}">
-                <a16:creationId xmlns:a16="http://schemas.microsoft.com/office/drawing/2014/main" id="{987AE67E-2CF5-DD12-6471-8BD18A6025F2}"/>
+                <a16:creationId xmlns:a16="http://schemas.microsoft.com/office/drawing/2014/main" id="{64C64301-27E5-F50F-2F78-D3B3EF1FD0F4}"/>
               </a:ext>
             </a:extLst>
           </p:cNvPr>
@@ -5360,51 +5950,15 @@
         </p:blipFill>
         <p:spPr>
           <a:xfrm>
-            <a:off x="838200" y="1877204"/>
-            <a:ext cx="10436190" cy="4196218"/>
+            <a:off x="838200" y="1867132"/>
+            <a:ext cx="10515600" cy="4268324"/>
           </a:xfrm>
-        </p:spPr>
-      </p:pic>
-      <p:pic>
-        <p:nvPicPr>
-          <p:cNvPr id="7" name="Picture 6">
-            <a:extLst>
-              <a:ext uri="{FF2B5EF4-FFF2-40B4-BE49-F238E27FC236}">
-                <a16:creationId xmlns:a16="http://schemas.microsoft.com/office/drawing/2014/main" id="{38B7EB4E-9E72-AC21-22B5-C09E5A34B3DE}"/>
-              </a:ext>
-            </a:extLst>
-          </p:cNvPr>
-          <p:cNvPicPr>
-            <a:picLocks noChangeAspect="1"/>
-          </p:cNvPicPr>
-          <p:nvPr/>
-        </p:nvPicPr>
-        <p:blipFill>
-          <a:blip r:embed="rId3">
-            <a:extLst>
-              <a:ext uri="{28A0092B-C50C-407E-A947-70E740481C1C}">
-                <a14:useLocalDpi xmlns:a14="http://schemas.microsoft.com/office/drawing/2010/main" val="0"/>
-              </a:ext>
-            </a:extLst>
-          </a:blip>
-          <a:stretch>
-            <a:fillRect/>
-          </a:stretch>
-        </p:blipFill>
-        <p:spPr>
-          <a:xfrm>
-            <a:off x="3217333" y="3200148"/>
-            <a:ext cx="8136467" cy="3292727"/>
-          </a:xfrm>
-          <a:prstGeom prst="rect">
-            <a:avLst/>
-          </a:prstGeom>
         </p:spPr>
       </p:pic>
     </p:spTree>
     <p:extLst>
       <p:ext uri="{BB962C8B-B14F-4D97-AF65-F5344CB8AC3E}">
-        <p14:creationId xmlns:p14="http://schemas.microsoft.com/office/powerpoint/2010/main" val="849741287"/>
+        <p14:creationId xmlns:p14="http://schemas.microsoft.com/office/powerpoint/2010/main" val="163088250"/>
       </p:ext>
     </p:extLst>
   </p:cSld>
@@ -5436,7 +5990,7 @@
           <p:cNvPr id="2" name="Title 1">
             <a:extLst>
               <a:ext uri="{FF2B5EF4-FFF2-40B4-BE49-F238E27FC236}">
-                <a16:creationId xmlns:a16="http://schemas.microsoft.com/office/drawing/2014/main" id="{E126D252-FABF-7B2B-8C12-2823C0776C27}"/>
+                <a16:creationId xmlns:a16="http://schemas.microsoft.com/office/drawing/2014/main" id="{6ECA4026-DED5-2CD4-41BD-1BF5347DE8A9}"/>
               </a:ext>
             </a:extLst>
           </p:cNvPr>
@@ -5454,7 +6008,7 @@
           <a:p>
             <a:r>
               <a:rPr lang="en-US" dirty="0"/>
-              <a:t>Alarm</a:t>
+              <a:t>Dashboards</a:t>
             </a:r>
           </a:p>
         </p:txBody>
@@ -5464,7 +6018,7 @@
           <p:cNvPr id="5" name="Content Placeholder 4">
             <a:extLst>
               <a:ext uri="{FF2B5EF4-FFF2-40B4-BE49-F238E27FC236}">
-                <a16:creationId xmlns:a16="http://schemas.microsoft.com/office/drawing/2014/main" id="{0134BC06-C538-40EF-458F-1EE969FF54B8}"/>
+                <a16:creationId xmlns:a16="http://schemas.microsoft.com/office/drawing/2014/main" id="{987AE67E-2CF5-DD12-6471-8BD18A6025F2}"/>
               </a:ext>
             </a:extLst>
           </p:cNvPr>
@@ -5489,8 +6043,8 @@
         </p:blipFill>
         <p:spPr>
           <a:xfrm>
-            <a:off x="406400" y="1642710"/>
-            <a:ext cx="4707468" cy="2832349"/>
+            <a:off x="838200" y="1877204"/>
+            <a:ext cx="10436190" cy="4196218"/>
           </a:xfrm>
         </p:spPr>
       </p:pic>
@@ -5499,7 +6053,7 @@
           <p:cNvPr id="7" name="Picture 6">
             <a:extLst>
               <a:ext uri="{FF2B5EF4-FFF2-40B4-BE49-F238E27FC236}">
-                <a16:creationId xmlns:a16="http://schemas.microsoft.com/office/drawing/2014/main" id="{37612B25-4AC9-0142-C2F1-A766DC15A512}"/>
+                <a16:creationId xmlns:a16="http://schemas.microsoft.com/office/drawing/2014/main" id="{38B7EB4E-9E72-AC21-22B5-C09E5A34B3DE}"/>
               </a:ext>
             </a:extLst>
           </p:cNvPr>
@@ -5522,8 +6076,8 @@
         </p:blipFill>
         <p:spPr>
           <a:xfrm>
-            <a:off x="5545668" y="684588"/>
-            <a:ext cx="5928463" cy="5488824"/>
+            <a:off x="3217333" y="3200148"/>
+            <a:ext cx="8136467" cy="3292727"/>
           </a:xfrm>
           <a:prstGeom prst="rect">
             <a:avLst/>
@@ -5533,7 +6087,7 @@
     </p:spTree>
     <p:extLst>
       <p:ext uri="{BB962C8B-B14F-4D97-AF65-F5344CB8AC3E}">
-        <p14:creationId xmlns:p14="http://schemas.microsoft.com/office/powerpoint/2010/main" val="3856668191"/>
+        <p14:creationId xmlns:p14="http://schemas.microsoft.com/office/powerpoint/2010/main" val="849741287"/>
       </p:ext>
     </p:extLst>
   </p:cSld>
